--- a/rainloop/rainloop-part2.pptx
+++ b/rainloop/rainloop-part2.pptx
@@ -3384,11 +3384,13 @@
         </p:nvSpPr>
         <p:spPr/>
         <p:txBody>
-          <a:bodyPr/>
-          <a:lstStyle/>
-          <a:p>
-            <a:r>
-              <a:rPr lang="en-US" dirty="0"/>
+          <a:bodyPr>
+            <a:normAutofit/>
+          </a:bodyPr>
+          <a:lstStyle/>
+          <a:p>
+            <a:r>
+              <a:rPr lang="en-US" sz="3200" dirty="0"/>
               <a:t>Part 2</a:t>
             </a:r>
           </a:p>
@@ -4003,10 +4005,9 @@
               <a:t>afnog@YYY.afnog.nog-oc.org</a:t>
             </a:r>
             <a:r>
-              <a:rPr lang="en-US"/>
+              <a:rPr lang="en-US" dirty="0"/>
               <a:t> </a:t>
             </a:r>
-            <a:endParaRPr lang="en-US" dirty="0"/>
           </a:p>
         </p:txBody>
       </p:sp>
